--- a/ネットワークの練習(田村和広).pptx
+++ b/ネットワークの練習(田村和広).pptx
@@ -8,6 +8,7 @@
     <p:sldId id="257" r:id="rId2"/>
     <p:sldId id="256" r:id="rId3"/>
     <p:sldId id="258" r:id="rId4"/>
+    <p:sldId id="259" r:id="rId5"/>
   </p:sldIdLst>
   <p:sldSz cx="12192000" cy="6858000"/>
   <p:notesSz cx="6858000" cy="9144000"/>
@@ -106,6 +107,11 @@
       </a:defRPr>
     </a:lvl9pPr>
   </p:defaultTextStyle>
+  <p:extLst>
+    <p:ext uri="{EFAFB233-063F-42B5-8137-9DF3F51BA10A}">
+      <p15:sldGuideLst xmlns:p15="http://schemas.microsoft.com/office/powerpoint/2012/main"/>
+    </p:ext>
+  </p:extLst>
 </p:presentation>
 </file>
 
@@ -256,7 +262,7 @@
           <a:p>
             <a:fld id="{40B4F206-DD78-43AD-BE08-DA0911499008}" type="datetimeFigureOut">
               <a:rPr kumimoji="1" lang="ja-JP" altLang="en-US" smtClean="0"/>
-              <a:t>2019/10/9</a:t>
+              <a:t>2019/10/13</a:t>
             </a:fld>
             <a:endParaRPr kumimoji="1" lang="ja-JP" altLang="en-US"/>
           </a:p>
@@ -486,7 +492,7 @@
           <a:p>
             <a:fld id="{40B4F206-DD78-43AD-BE08-DA0911499008}" type="datetimeFigureOut">
               <a:rPr kumimoji="1" lang="ja-JP" altLang="en-US" smtClean="0"/>
-              <a:t>2019/10/9</a:t>
+              <a:t>2019/10/13</a:t>
             </a:fld>
             <a:endParaRPr kumimoji="1" lang="ja-JP" altLang="en-US"/>
           </a:p>
@@ -726,7 +732,7 @@
           <a:p>
             <a:fld id="{40B4F206-DD78-43AD-BE08-DA0911499008}" type="datetimeFigureOut">
               <a:rPr kumimoji="1" lang="ja-JP" altLang="en-US" smtClean="0"/>
-              <a:t>2019/10/9</a:t>
+              <a:t>2019/10/13</a:t>
             </a:fld>
             <a:endParaRPr kumimoji="1" lang="ja-JP" altLang="en-US"/>
           </a:p>
@@ -956,7 +962,7 @@
           <a:p>
             <a:fld id="{40B4F206-DD78-43AD-BE08-DA0911499008}" type="datetimeFigureOut">
               <a:rPr kumimoji="1" lang="ja-JP" altLang="en-US" smtClean="0"/>
-              <a:t>2019/10/9</a:t>
+              <a:t>2019/10/13</a:t>
             </a:fld>
             <a:endParaRPr kumimoji="1" lang="ja-JP" altLang="en-US"/>
           </a:p>
@@ -1231,7 +1237,7 @@
           <a:p>
             <a:fld id="{40B4F206-DD78-43AD-BE08-DA0911499008}" type="datetimeFigureOut">
               <a:rPr kumimoji="1" lang="ja-JP" altLang="en-US" smtClean="0"/>
-              <a:t>2019/10/9</a:t>
+              <a:t>2019/10/13</a:t>
             </a:fld>
             <a:endParaRPr kumimoji="1" lang="ja-JP" altLang="en-US"/>
           </a:p>
@@ -1560,7 +1566,7 @@
           <a:p>
             <a:fld id="{40B4F206-DD78-43AD-BE08-DA0911499008}" type="datetimeFigureOut">
               <a:rPr kumimoji="1" lang="ja-JP" altLang="en-US" smtClean="0"/>
-              <a:t>2019/10/9</a:t>
+              <a:t>2019/10/13</a:t>
             </a:fld>
             <a:endParaRPr kumimoji="1" lang="ja-JP" altLang="en-US"/>
           </a:p>
@@ -2036,7 +2042,7 @@
           <a:p>
             <a:fld id="{40B4F206-DD78-43AD-BE08-DA0911499008}" type="datetimeFigureOut">
               <a:rPr kumimoji="1" lang="ja-JP" altLang="en-US" smtClean="0"/>
-              <a:t>2019/10/9</a:t>
+              <a:t>2019/10/13</a:t>
             </a:fld>
             <a:endParaRPr kumimoji="1" lang="ja-JP" altLang="en-US"/>
           </a:p>
@@ -2177,7 +2183,7 @@
           <a:p>
             <a:fld id="{40B4F206-DD78-43AD-BE08-DA0911499008}" type="datetimeFigureOut">
               <a:rPr kumimoji="1" lang="ja-JP" altLang="en-US" smtClean="0"/>
-              <a:t>2019/10/9</a:t>
+              <a:t>2019/10/13</a:t>
             </a:fld>
             <a:endParaRPr kumimoji="1" lang="ja-JP" altLang="en-US"/>
           </a:p>
@@ -2290,7 +2296,7 @@
           <a:p>
             <a:fld id="{40B4F206-DD78-43AD-BE08-DA0911499008}" type="datetimeFigureOut">
               <a:rPr kumimoji="1" lang="ja-JP" altLang="en-US" smtClean="0"/>
-              <a:t>2019/10/9</a:t>
+              <a:t>2019/10/13</a:t>
             </a:fld>
             <a:endParaRPr kumimoji="1" lang="ja-JP" altLang="en-US"/>
           </a:p>
@@ -2633,7 +2639,7 @@
           <a:p>
             <a:fld id="{40B4F206-DD78-43AD-BE08-DA0911499008}" type="datetimeFigureOut">
               <a:rPr kumimoji="1" lang="ja-JP" altLang="en-US" smtClean="0"/>
-              <a:t>2019/10/9</a:t>
+              <a:t>2019/10/13</a:t>
             </a:fld>
             <a:endParaRPr kumimoji="1" lang="ja-JP" altLang="en-US"/>
           </a:p>
@@ -2921,7 +2927,7 @@
           <a:p>
             <a:fld id="{40B4F206-DD78-43AD-BE08-DA0911499008}" type="datetimeFigureOut">
               <a:rPr kumimoji="1" lang="ja-JP" altLang="en-US" smtClean="0"/>
-              <a:t>2019/10/9</a:t>
+              <a:t>2019/10/13</a:t>
             </a:fld>
             <a:endParaRPr kumimoji="1" lang="ja-JP" altLang="en-US"/>
           </a:p>
@@ -3194,7 +3200,7 @@
           <a:p>
             <a:fld id="{40B4F206-DD78-43AD-BE08-DA0911499008}" type="datetimeFigureOut">
               <a:rPr kumimoji="1" lang="ja-JP" altLang="en-US" smtClean="0"/>
-              <a:t>2019/10/9</a:t>
+              <a:t>2019/10/13</a:t>
             </a:fld>
             <a:endParaRPr kumimoji="1" lang="ja-JP" altLang="en-US"/>
           </a:p>
@@ -3993,16 +3999,40 @@
             <p:ph idx="1"/>
           </p:nvPr>
         </p:nvSpPr>
-        <p:spPr/>
-        <p:txBody>
-          <a:bodyPr/>
+        <p:spPr>
+          <a:xfrm>
+            <a:off x="838200" y="2042406"/>
+            <a:ext cx="10515600" cy="4611612"/>
+          </a:xfrm>
+        </p:spPr>
+        <p:txBody>
+          <a:bodyPr>
+            <a:normAutofit/>
+          </a:bodyPr>
           <a:lstStyle/>
           <a:p>
             <a:r>
               <a:rPr lang="ja-JP" altLang="en-US" dirty="0"/>
-              <a:t>このプログラムはワッツとストロガッツのスモールワールドネットワークを作成して描画するプログラムである</a:t>
-            </a:r>
-            <a:endParaRPr lang="en-US" altLang="ja-JP" dirty="0"/>
+              <a:t>このプログラムは</a:t>
+            </a:r>
+            <a:br>
+              <a:rPr lang="en-US" altLang="ja-JP" dirty="0"/>
+            </a:br>
+            <a:r>
+              <a:rPr lang="ja-JP" altLang="en-US" dirty="0"/>
+              <a:t>ワッツとストロガッツのスモールワールドネットワークを</a:t>
+            </a:r>
+            <a:br>
+              <a:rPr lang="en-US" altLang="ja-JP" dirty="0"/>
+            </a:br>
+            <a:r>
+              <a:rPr lang="ja-JP" altLang="en-US" dirty="0"/>
+              <a:t>作成して描画するプログラムである</a:t>
+            </a:r>
+            <a:endParaRPr kumimoji="1" lang="en-US" altLang="ja-JP" dirty="0"/>
+          </a:p>
+          <a:p>
+            <a:endParaRPr kumimoji="1" lang="en-US" altLang="ja-JP" dirty="0"/>
           </a:p>
           <a:p>
             <a:endParaRPr kumimoji="1" lang="en-US" altLang="ja-JP" dirty="0"/>
@@ -4022,7 +4052,14 @@
             </a:r>
             <a:r>
               <a:rPr lang="ja-JP" altLang="en-US" dirty="0"/>
-              <a:t>関数で構成されており、最終行で</a:t>
+              <a:t>関数で構成されており、</a:t>
+            </a:r>
+            <a:br>
+              <a:rPr lang="en-US" altLang="ja-JP" dirty="0"/>
+            </a:br>
+            <a:r>
+              <a:rPr lang="ja-JP" altLang="en-US" dirty="0"/>
+              <a:t>最終行で</a:t>
             </a:r>
             <a:r>
               <a:rPr lang="en-US" altLang="ja-JP" dirty="0"/>
@@ -4049,6 +4086,92 @@
     <p:extLst>
       <p:ext uri="{BB962C8B-B14F-4D97-AF65-F5344CB8AC3E}">
         <p14:creationId xmlns:p14="http://schemas.microsoft.com/office/powerpoint/2010/main" val="1793485724"/>
+      </p:ext>
+    </p:extLst>
+  </p:cSld>
+  <p:clrMapOvr>
+    <a:masterClrMapping/>
+  </p:clrMapOvr>
+</p:sld>
+</file>
+
+<file path=ppt/slides/slide4.xml><?xml version="1.0" encoding="utf-8"?>
+<p:sld xmlns:a="http://schemas.openxmlformats.org/drawingml/2006/main" xmlns:r="http://schemas.openxmlformats.org/officeDocument/2006/relationships" xmlns:p="http://schemas.openxmlformats.org/presentationml/2006/main">
+  <p:cSld>
+    <p:spTree>
+      <p:nvGrpSpPr>
+        <p:cNvPr id="1" name=""/>
+        <p:cNvGrpSpPr/>
+        <p:nvPr/>
+      </p:nvGrpSpPr>
+      <p:grpSpPr>
+        <a:xfrm>
+          <a:off x="0" y="0"/>
+          <a:ext cx="0" cy="0"/>
+          <a:chOff x="0" y="0"/>
+          <a:chExt cx="0" cy="0"/>
+        </a:xfrm>
+      </p:grpSpPr>
+      <p:sp>
+        <p:nvSpPr>
+          <p:cNvPr id="2" name="タイトル 1">
+            <a:extLst>
+              <a:ext uri="{FF2B5EF4-FFF2-40B4-BE49-F238E27FC236}">
+                <a16:creationId xmlns:a16="http://schemas.microsoft.com/office/drawing/2014/main" id="{95912AE6-6177-42DF-ACA2-99BEFFC00964}"/>
+              </a:ext>
+            </a:extLst>
+          </p:cNvPr>
+          <p:cNvSpPr>
+            <a:spLocks noGrp="1"/>
+          </p:cNvSpPr>
+          <p:nvPr>
+            <p:ph type="title"/>
+          </p:nvPr>
+        </p:nvSpPr>
+        <p:spPr/>
+        <p:txBody>
+          <a:bodyPr>
+            <a:normAutofit/>
+          </a:bodyPr>
+          <a:lstStyle/>
+          <a:p>
+            <a:r>
+              <a:rPr lang="ja-JP" altLang="en-US" sz="2800" dirty="0"/>
+              <a:t>ワッツとストロガッツのスモールワールドネットワークについて</a:t>
+            </a:r>
+            <a:endParaRPr kumimoji="1" lang="ja-JP" altLang="en-US" sz="2800" dirty="0"/>
+          </a:p>
+        </p:txBody>
+      </p:sp>
+      <p:sp>
+        <p:nvSpPr>
+          <p:cNvPr id="3" name="コンテンツ プレースホルダー 2">
+            <a:extLst>
+              <a:ext uri="{FF2B5EF4-FFF2-40B4-BE49-F238E27FC236}">
+                <a16:creationId xmlns:a16="http://schemas.microsoft.com/office/drawing/2014/main" id="{1469902D-300B-4440-A9E2-64CC5FBFC1AE}"/>
+              </a:ext>
+            </a:extLst>
+          </p:cNvPr>
+          <p:cNvSpPr>
+            <a:spLocks noGrp="1"/>
+          </p:cNvSpPr>
+          <p:nvPr>
+            <p:ph idx="1"/>
+          </p:nvPr>
+        </p:nvSpPr>
+        <p:spPr/>
+        <p:txBody>
+          <a:bodyPr/>
+          <a:lstStyle/>
+          <a:p>
+            <a:endParaRPr kumimoji="1" lang="ja-JP" altLang="en-US" dirty="0"/>
+          </a:p>
+        </p:txBody>
+      </p:sp>
+    </p:spTree>
+    <p:extLst>
+      <p:ext uri="{BB962C8B-B14F-4D97-AF65-F5344CB8AC3E}">
+        <p14:creationId xmlns:p14="http://schemas.microsoft.com/office/powerpoint/2010/main" val="1378844979"/>
       </p:ext>
     </p:extLst>
   </p:cSld>
